--- a/Docker 101.pptx
+++ b/Docker 101.pptx
@@ -642,6 +642,90 @@
     <p:extLst>
       <p:ext uri="{BB962C8B-B14F-4D97-AF65-F5344CB8AC3E}">
         <p14:creationId xmlns:p14="http://schemas.microsoft.com/office/powerpoint/2010/main" val="3072632982"/>
+      </p:ext>
+    </p:extLst>
+  </p:cSld>
+  <p:clrMapOvr>
+    <a:masterClrMapping/>
+  </p:clrMapOvr>
+</p:notes>
+</file>
+
+<file path=ppt/notesSlides/notesSlide3.xml><?xml version="1.0" encoding="utf-8"?>
+<p:notes xmlns:a="http://schemas.openxmlformats.org/drawingml/2006/main" xmlns:r="http://schemas.openxmlformats.org/officeDocument/2006/relationships" xmlns:p="http://schemas.openxmlformats.org/presentationml/2006/main">
+  <p:cSld>
+    <p:spTree>
+      <p:nvGrpSpPr>
+        <p:cNvPr id="1" name=""/>
+        <p:cNvGrpSpPr/>
+        <p:nvPr/>
+      </p:nvGrpSpPr>
+      <p:grpSpPr>
+        <a:xfrm>
+          <a:off x="0" y="0"/>
+          <a:ext cx="0" cy="0"/>
+          <a:chOff x="0" y="0"/>
+          <a:chExt cx="0" cy="0"/>
+        </a:xfrm>
+      </p:grpSpPr>
+      <p:sp>
+        <p:nvSpPr>
+          <p:cNvPr id="2" name="Slide Image Placeholder 1"/>
+          <p:cNvSpPr>
+            <a:spLocks noGrp="1" noRot="1" noChangeAspect="1"/>
+          </p:cNvSpPr>
+          <p:nvPr>
+            <p:ph type="sldImg"/>
+          </p:nvPr>
+        </p:nvSpPr>
+        <p:spPr/>
+      </p:sp>
+      <p:sp>
+        <p:nvSpPr>
+          <p:cNvPr id="3" name="Notes Placeholder 2"/>
+          <p:cNvSpPr>
+            <a:spLocks noGrp="1"/>
+          </p:cNvSpPr>
+          <p:nvPr>
+            <p:ph type="body" idx="1"/>
+          </p:nvPr>
+        </p:nvSpPr>
+        <p:spPr/>
+        <p:txBody>
+          <a:bodyPr/>
+          <a:lstStyle/>
+          <a:p>
+            <a:endParaRPr lang="en-TH" dirty="0"/>
+          </a:p>
+        </p:txBody>
+      </p:sp>
+      <p:sp>
+        <p:nvSpPr>
+          <p:cNvPr id="4" name="Slide Number Placeholder 3"/>
+          <p:cNvSpPr>
+            <a:spLocks noGrp="1"/>
+          </p:cNvSpPr>
+          <p:nvPr>
+            <p:ph type="sldNum" sz="quarter" idx="5"/>
+          </p:nvPr>
+        </p:nvSpPr>
+        <p:spPr/>
+        <p:txBody>
+          <a:bodyPr/>
+          <a:lstStyle/>
+          <a:p>
+            <a:fld id="{4BBE07F9-1F14-9F4E-8CC6-46A8D3E29C89}" type="slidenum">
+              <a:rPr lang="en-TH" smtClean="0"/>
+              <a:t>13</a:t>
+            </a:fld>
+            <a:endParaRPr lang="en-TH"/>
+          </a:p>
+        </p:txBody>
+      </p:sp>
+    </p:spTree>
+    <p:extLst>
+      <p:ext uri="{BB962C8B-B14F-4D97-AF65-F5344CB8AC3E}">
+        <p14:creationId xmlns:p14="http://schemas.microsoft.com/office/powerpoint/2010/main" val="3821112355"/>
       </p:ext>
     </p:extLst>
   </p:cSld>
@@ -6313,7 +6397,7 @@
               <a:rPr lang="en-US" sz="1600" b="1" dirty="0">
                 <a:latin typeface="TH SarabunPSK" panose="020B0500040200020003" pitchFamily="34" charset="-34"/>
                 <a:cs typeface="TH SarabunPSK" panose="020B0500040200020003" pitchFamily="34" charset="-34"/>
-                <a:hlinkClick r:id="rId2"/>
+                <a:hlinkClick r:id="rId3"/>
               </a:rPr>
               <a:t>https://github.com/BobSarayuth/go-docker-101</a:t>
             </a:r>
@@ -6604,18 +6688,11 @@
               <a:buNone/>
             </a:pPr>
             <a:r>
-              <a:rPr lang="en-US" sz="1600" b="1">
-                <a:latin typeface="TH SarabunPSK" panose="020B0500040200020003" pitchFamily="34" charset="-34"/>
-                <a:cs typeface="TH SarabunPSK" panose="020B0500040200020003" pitchFamily="34" charset="-34"/>
-              </a:rPr>
-              <a:t>Docker exec -it </a:t>
-            </a:r>
-            <a:r>
               <a:rPr lang="en-US" sz="1600" b="1" dirty="0">
                 <a:latin typeface="TH SarabunPSK" panose="020B0500040200020003" pitchFamily="34" charset="-34"/>
                 <a:cs typeface="TH SarabunPSK" panose="020B0500040200020003" pitchFamily="34" charset="-34"/>
               </a:rPr>
-              <a:t>[container name] </a:t>
+              <a:t>Docker exec -it [container name] </a:t>
             </a:r>
             <a:r>
               <a:rPr lang="en-US" sz="1600" b="1" dirty="0" err="1">
@@ -6782,7 +6859,7 @@
           <p:nvPr/>
         </p:nvPicPr>
         <p:blipFill rotWithShape="1">
-          <a:blip r:embed="rId3"/>
+          <a:blip r:embed="rId4"/>
           <a:srcRect l="16556" r="34849" b="-1"/>
           <a:stretch/>
         </p:blipFill>
@@ -7648,46 +7725,78 @@
               <a:buNone/>
             </a:pPr>
             <a:r>
+              <a:rPr lang="en-US" sz="2000" dirty="0">
+                <a:latin typeface="TH SarabunPSK" panose="020B0500040200020003" pitchFamily="34" charset="-34"/>
+                <a:cs typeface="TH SarabunPSK" panose="020B0500040200020003" pitchFamily="34" charset="-34"/>
+              </a:rPr>
+              <a:t>docker-compose </a:t>
+            </a:r>
+            <a:r>
+              <a:rPr lang="th-TH" sz="2000" dirty="0">
+                <a:latin typeface="TH SarabunPSK" panose="020B0500040200020003" pitchFamily="34" charset="-34"/>
+                <a:cs typeface="TH SarabunPSK" panose="020B0500040200020003" pitchFamily="34" charset="-34"/>
+              </a:rPr>
+              <a:t>จะถูกเขียนในรูปแบบของ </a:t>
+            </a:r>
+            <a:r>
+              <a:rPr lang="en-US" sz="2000" dirty="0" err="1">
+                <a:latin typeface="TH SarabunPSK" panose="020B0500040200020003" pitchFamily="34" charset="-34"/>
+                <a:cs typeface="TH SarabunPSK" panose="020B0500040200020003" pitchFamily="34" charset="-34"/>
+              </a:rPr>
+              <a:t>yaml</a:t>
+            </a:r>
+            <a:r>
+              <a:rPr lang="en-US" sz="2000" dirty="0">
+                <a:latin typeface="TH SarabunPSK" panose="020B0500040200020003" pitchFamily="34" charset="-34"/>
+                <a:cs typeface="TH SarabunPSK" panose="020B0500040200020003" pitchFamily="34" charset="-34"/>
+              </a:rPr>
+              <a:t> file </a:t>
+            </a:r>
+            <a:r>
+              <a:rPr lang="th-TH" sz="2000" dirty="0">
+                <a:latin typeface="TH SarabunPSK" panose="020B0500040200020003" pitchFamily="34" charset="-34"/>
+                <a:cs typeface="TH SarabunPSK" panose="020B0500040200020003" pitchFamily="34" charset="-34"/>
+              </a:rPr>
+              <a:t>ผ่านการเรียกใช้งานด้วยคำสั่ง </a:t>
+            </a:r>
+            <a:r>
+              <a:rPr lang="en-US" sz="2000" dirty="0">
+                <a:latin typeface="TH SarabunPSK" panose="020B0500040200020003" pitchFamily="34" charset="-34"/>
+                <a:cs typeface="TH SarabunPSK" panose="020B0500040200020003" pitchFamily="34" charset="-34"/>
+              </a:rPr>
+              <a:t>docker compose up –d //default file </a:t>
+            </a:r>
+            <a:r>
+              <a:rPr lang="th-TH" sz="2000" dirty="0">
+                <a:latin typeface="TH SarabunPSK" panose="020B0500040200020003" pitchFamily="34" charset="-34"/>
+                <a:cs typeface="TH SarabunPSK" panose="020B0500040200020003" pitchFamily="34" charset="-34"/>
+              </a:rPr>
+              <a:t>เป็น </a:t>
+            </a:r>
+            <a:r>
+              <a:rPr lang="en-US" sz="2000" dirty="0">
+                <a:latin typeface="TH SarabunPSK" panose="020B0500040200020003" pitchFamily="34" charset="-34"/>
+                <a:cs typeface="TH SarabunPSK" panose="020B0500040200020003" pitchFamily="34" charset="-34"/>
+              </a:rPr>
+              <a:t>docker-</a:t>
+            </a:r>
+            <a:r>
               <a:rPr lang="en-US" sz="2000">
                 <a:latin typeface="TH SarabunPSK" panose="020B0500040200020003" pitchFamily="34" charset="-34"/>
                 <a:cs typeface="TH SarabunPSK" panose="020B0500040200020003" pitchFamily="34" charset="-34"/>
               </a:rPr>
-              <a:t>docker-compose </a:t>
-            </a:r>
-            <a:r>
-              <a:rPr lang="th-TH" sz="2000">
-                <a:latin typeface="TH SarabunPSK" panose="020B0500040200020003" pitchFamily="34" charset="-34"/>
-                <a:cs typeface="TH SarabunPSK" panose="020B0500040200020003" pitchFamily="34" charset="-34"/>
-              </a:rPr>
-              <a:t>จะถูกเขียนในรูปแบบของ </a:t>
-            </a:r>
-            <a:r>
-              <a:rPr lang="en-US" sz="2000">
-                <a:latin typeface="TH SarabunPSK" panose="020B0500040200020003" pitchFamily="34" charset="-34"/>
-                <a:cs typeface="TH SarabunPSK" panose="020B0500040200020003" pitchFamily="34" charset="-34"/>
-              </a:rPr>
-              <a:t>yaml file </a:t>
-            </a:r>
-            <a:r>
-              <a:rPr lang="th-TH" sz="2000">
-                <a:latin typeface="TH SarabunPSK" panose="020B0500040200020003" pitchFamily="34" charset="-34"/>
-                <a:cs typeface="TH SarabunPSK" panose="020B0500040200020003" pitchFamily="34" charset="-34"/>
-              </a:rPr>
-              <a:t>ผ่านการเรียกใช้งานด้วยคำสั่ง </a:t>
-            </a:r>
-            <a:r>
-              <a:rPr lang="en-US" sz="2000">
-                <a:latin typeface="TH SarabunPSK" panose="020B0500040200020003" pitchFamily="34" charset="-34"/>
-                <a:cs typeface="TH SarabunPSK" panose="020B0500040200020003" pitchFamily="34" charset="-34"/>
-              </a:rPr>
-              <a:t>docker-compose up -d</a:t>
-            </a:r>
+              <a:t>compose.yml</a:t>
+            </a:r>
+            <a:endParaRPr lang="en-US" sz="2000" dirty="0">
+              <a:latin typeface="TH SarabunPSK" panose="020B0500040200020003" pitchFamily="34" charset="-34"/>
+              <a:cs typeface="TH SarabunPSK" panose="020B0500040200020003" pitchFamily="34" charset="-34"/>
+            </a:endParaRPr>
           </a:p>
           <a:p>
             <a:pPr marL="0" indent="0">
               <a:buNone/>
             </a:pPr>
-            <a:endParaRPr lang="en-US" sz="2000"/>
+            <a:endParaRPr lang="en-US" sz="2000" dirty="0"/>
           </a:p>
         </p:txBody>
       </p:sp>
